--- a/Shoe Decider.pptx
+++ b/Shoe Decider.pptx
@@ -104,6 +104,11 @@
       </a:defRPr>
     </a:lvl9pPr>
   </p:defaultTextStyle>
+  <p:extLst>
+    <p:ext uri="{EFAFB233-063F-42B5-8137-9DF3F51BA10A}">
+      <p15:sldGuideLst xmlns:p15="http://schemas.microsoft.com/office/powerpoint/2012/main"/>
+    </p:ext>
+  </p:extLst>
 </p:presentation>
 </file>
 
@@ -129,7 +134,7 @@
           <p:cNvPr id="10" name="Rectangle 9">
             <a:extLst>
               <a:ext uri="{FF2B5EF4-FFF2-40B4-BE49-F238E27FC236}">
-                <a16:creationId xmlns:a16="http://schemas.microsoft.com/office/drawing/2014/main" id="{39E3965E-AC41-4711-9D10-E25ABB132D86}"/>
+                <a16:creationId xmlns:a16="http://schemas.microsoft.com/office/drawing/2014/main" xmlns="" id="{39E3965E-AC41-4711-9D10-E25ABB132D86}"/>
               </a:ext>
             </a:extLst>
           </p:cNvPr>
@@ -289,7 +294,7 @@
           <p:cNvPr id="9" name="Straight Connector 8">
             <a:extLst>
               <a:ext uri="{FF2B5EF4-FFF2-40B4-BE49-F238E27FC236}">
-                <a16:creationId xmlns:a16="http://schemas.microsoft.com/office/drawing/2014/main" id="{1F5DC8C3-BA5F-4EED-BB9A-A14272BD82A1}"/>
+                <a16:creationId xmlns:a16="http://schemas.microsoft.com/office/drawing/2014/main" xmlns="" id="{1F5DC8C3-BA5F-4EED-BB9A-A14272BD82A1}"/>
               </a:ext>
             </a:extLst>
           </p:cNvPr>
@@ -333,7 +338,7 @@
           <p:cNvPr id="4" name="Date Placeholder 3">
             <a:extLst>
               <a:ext uri="{FF2B5EF4-FFF2-40B4-BE49-F238E27FC236}">
-                <a16:creationId xmlns:a16="http://schemas.microsoft.com/office/drawing/2014/main" id="{9925CCF1-92C0-4AF3-BFAF-4921631915AB}"/>
+                <a16:creationId xmlns:a16="http://schemas.microsoft.com/office/drawing/2014/main" xmlns="" id="{9925CCF1-92C0-4AF3-BFAF-4921631915AB}"/>
               </a:ext>
             </a:extLst>
           </p:cNvPr>
@@ -351,7 +356,7 @@
           <a:p>
             <a:fld id="{9184DA70-C731-4C70-880D-CCD4705E623C}" type="datetime1">
               <a:rPr lang="en-US" smtClean="0"/>
-              <a:t>11/19/2019</a:t>
+              <a:t>11/22/2019</a:t>
             </a:fld>
             <a:endParaRPr lang="en-US" dirty="0"/>
           </a:p>
@@ -362,7 +367,7 @@
           <p:cNvPr id="5" name="Footer Placeholder 4">
             <a:extLst>
               <a:ext uri="{FF2B5EF4-FFF2-40B4-BE49-F238E27FC236}">
-                <a16:creationId xmlns:a16="http://schemas.microsoft.com/office/drawing/2014/main" id="{051A78A9-3DFF-4937-A9F2-5D8CF495F367}"/>
+                <a16:creationId xmlns:a16="http://schemas.microsoft.com/office/drawing/2014/main" xmlns="" id="{051A78A9-3DFF-4937-A9F2-5D8CF495F367}"/>
               </a:ext>
             </a:extLst>
           </p:cNvPr>
@@ -387,7 +392,7 @@
           <p:cNvPr id="6" name="Slide Number Placeholder 5">
             <a:extLst>
               <a:ext uri="{FF2B5EF4-FFF2-40B4-BE49-F238E27FC236}">
-                <a16:creationId xmlns:a16="http://schemas.microsoft.com/office/drawing/2014/main" id="{5FAEB271-5CC0-4759-BC6E-8BE53AB227C0}"/>
+                <a16:creationId xmlns:a16="http://schemas.microsoft.com/office/drawing/2014/main" xmlns="" id="{5FAEB271-5CC0-4759-BC6E-8BE53AB227C0}"/>
               </a:ext>
             </a:extLst>
           </p:cNvPr>
@@ -521,7 +526,7 @@
           <p:cNvPr id="7" name="Date Placeholder 6">
             <a:extLst>
               <a:ext uri="{FF2B5EF4-FFF2-40B4-BE49-F238E27FC236}">
-                <a16:creationId xmlns:a16="http://schemas.microsoft.com/office/drawing/2014/main" id="{7D5506EE-1026-4F35-9ACC-BD05BE0F9B36}"/>
+                <a16:creationId xmlns:a16="http://schemas.microsoft.com/office/drawing/2014/main" xmlns="" id="{7D5506EE-1026-4F35-9ACC-BD05BE0F9B36}"/>
               </a:ext>
             </a:extLst>
           </p:cNvPr>
@@ -539,7 +544,7 @@
           <a:p>
             <a:fld id="{B612A279-0833-481D-8C56-F67FD0AC6C50}" type="datetime1">
               <a:rPr lang="en-US" smtClean="0"/>
-              <a:t>11/19/2019</a:t>
+              <a:t>11/22/2019</a:t>
             </a:fld>
             <a:endParaRPr lang="en-US" dirty="0"/>
           </a:p>
@@ -550,7 +555,7 @@
           <p:cNvPr id="8" name="Footer Placeholder 7">
             <a:extLst>
               <a:ext uri="{FF2B5EF4-FFF2-40B4-BE49-F238E27FC236}">
-                <a16:creationId xmlns:a16="http://schemas.microsoft.com/office/drawing/2014/main" id="{B7696E5F-8D95-4450-AE52-5438E6EDE2BF}"/>
+                <a16:creationId xmlns:a16="http://schemas.microsoft.com/office/drawing/2014/main" xmlns="" id="{B7696E5F-8D95-4450-AE52-5438E6EDE2BF}"/>
               </a:ext>
             </a:extLst>
           </p:cNvPr>
@@ -575,7 +580,7 @@
           <p:cNvPr id="9" name="Slide Number Placeholder 8">
             <a:extLst>
               <a:ext uri="{FF2B5EF4-FFF2-40B4-BE49-F238E27FC236}">
-                <a16:creationId xmlns:a16="http://schemas.microsoft.com/office/drawing/2014/main" id="{999B2253-74CC-409E-BEB0-F8EFCFCB5629}"/>
+                <a16:creationId xmlns:a16="http://schemas.microsoft.com/office/drawing/2014/main" xmlns="" id="{999B2253-74CC-409E-BEB0-F8EFCFCB5629}"/>
               </a:ext>
             </a:extLst>
           </p:cNvPr>
@@ -634,7 +639,7 @@
           <p:cNvPr id="9" name="Rectangle 8">
             <a:extLst>
               <a:ext uri="{FF2B5EF4-FFF2-40B4-BE49-F238E27FC236}">
-                <a16:creationId xmlns:a16="http://schemas.microsoft.com/office/drawing/2014/main" id="{E1B68A5B-D9FA-424B-A4EB-30E7223836B3}"/>
+                <a16:creationId xmlns:a16="http://schemas.microsoft.com/office/drawing/2014/main" xmlns="" id="{E1B68A5B-D9FA-424B-A4EB-30E7223836B3}"/>
               </a:ext>
             </a:extLst>
           </p:cNvPr>
@@ -763,7 +768,7 @@
           <p:cNvPr id="7" name="Date Placeholder 6">
             <a:extLst>
               <a:ext uri="{FF2B5EF4-FFF2-40B4-BE49-F238E27FC236}">
-                <a16:creationId xmlns:a16="http://schemas.microsoft.com/office/drawing/2014/main" id="{AF33D6B0-F070-45C4-A472-19F432BE3932}"/>
+                <a16:creationId xmlns:a16="http://schemas.microsoft.com/office/drawing/2014/main" xmlns="" id="{AF33D6B0-F070-45C4-A472-19F432BE3932}"/>
               </a:ext>
             </a:extLst>
           </p:cNvPr>
@@ -781,7 +786,7 @@
           <a:p>
             <a:fld id="{6587DA83-5663-4C9C-B9AA-0B40A3DAFF81}" type="datetime1">
               <a:rPr lang="en-US" smtClean="0"/>
-              <a:t>11/19/2019</a:t>
+              <a:t>11/22/2019</a:t>
             </a:fld>
             <a:endParaRPr lang="en-US" dirty="0"/>
           </a:p>
@@ -792,7 +797,7 @@
           <p:cNvPr id="8" name="Footer Placeholder 7">
             <a:extLst>
               <a:ext uri="{FF2B5EF4-FFF2-40B4-BE49-F238E27FC236}">
-                <a16:creationId xmlns:a16="http://schemas.microsoft.com/office/drawing/2014/main" id="{9975399F-DAB2-410D-967F-ED17E6F796E7}"/>
+                <a16:creationId xmlns:a16="http://schemas.microsoft.com/office/drawing/2014/main" xmlns="" id="{9975399F-DAB2-410D-967F-ED17E6F796E7}"/>
               </a:ext>
             </a:extLst>
           </p:cNvPr>
@@ -817,7 +822,7 @@
           <p:cNvPr id="10" name="Slide Number Placeholder 9">
             <a:extLst>
               <a:ext uri="{FF2B5EF4-FFF2-40B4-BE49-F238E27FC236}">
-                <a16:creationId xmlns:a16="http://schemas.microsoft.com/office/drawing/2014/main" id="{F762A46F-6BE5-4D12-9412-5CA7672EA8EC}"/>
+                <a16:creationId xmlns:a16="http://schemas.microsoft.com/office/drawing/2014/main" xmlns="" id="{F762A46F-6BE5-4D12-9412-5CA7672EA8EC}"/>
               </a:ext>
             </a:extLst>
           </p:cNvPr>
@@ -951,7 +956,7 @@
           <p:cNvPr id="7" name="Date Placeholder 6">
             <a:extLst>
               <a:ext uri="{FF2B5EF4-FFF2-40B4-BE49-F238E27FC236}">
-                <a16:creationId xmlns:a16="http://schemas.microsoft.com/office/drawing/2014/main" id="{354D8B55-9EA8-4B81-8E84-9B93B0A27559}"/>
+                <a16:creationId xmlns:a16="http://schemas.microsoft.com/office/drawing/2014/main" xmlns="" id="{354D8B55-9EA8-4B81-8E84-9B93B0A27559}"/>
               </a:ext>
             </a:extLst>
           </p:cNvPr>
@@ -969,7 +974,7 @@
           <a:p>
             <a:fld id="{4BE1D723-8F53-4F53-90B0-1982A396982E}" type="datetime1">
               <a:rPr lang="en-US" smtClean="0"/>
-              <a:t>11/19/2019</a:t>
+              <a:t>11/22/2019</a:t>
             </a:fld>
             <a:endParaRPr lang="en-US" dirty="0"/>
           </a:p>
@@ -980,7 +985,7 @@
           <p:cNvPr id="8" name="Footer Placeholder 7">
             <a:extLst>
               <a:ext uri="{FF2B5EF4-FFF2-40B4-BE49-F238E27FC236}">
-                <a16:creationId xmlns:a16="http://schemas.microsoft.com/office/drawing/2014/main" id="{062CA021-2578-47CB-822C-BDDFF7223B28}"/>
+                <a16:creationId xmlns:a16="http://schemas.microsoft.com/office/drawing/2014/main" xmlns="" id="{062CA021-2578-47CB-822C-BDDFF7223B28}"/>
               </a:ext>
             </a:extLst>
           </p:cNvPr>
@@ -1005,7 +1010,7 @@
           <p:cNvPr id="9" name="Slide Number Placeholder 8">
             <a:extLst>
               <a:ext uri="{FF2B5EF4-FFF2-40B4-BE49-F238E27FC236}">
-                <a16:creationId xmlns:a16="http://schemas.microsoft.com/office/drawing/2014/main" id="{C4AAB51D-4141-4682-9375-DAFD5FB9DD10}"/>
+                <a16:creationId xmlns:a16="http://schemas.microsoft.com/office/drawing/2014/main" xmlns="" id="{C4AAB51D-4141-4682-9375-DAFD5FB9DD10}"/>
               </a:ext>
             </a:extLst>
           </p:cNvPr>
@@ -1072,7 +1077,7 @@
           <p:cNvPr id="10" name="Rectangle 9">
             <a:extLst>
               <a:ext uri="{FF2B5EF4-FFF2-40B4-BE49-F238E27FC236}">
-                <a16:creationId xmlns:a16="http://schemas.microsoft.com/office/drawing/2014/main" id="{A585C21A-8B93-4657-B5DF-7EAEAD3BE127}"/>
+                <a16:creationId xmlns:a16="http://schemas.microsoft.com/office/drawing/2014/main" xmlns="" id="{A585C21A-8B93-4657-B5DF-7EAEAD3BE127}"/>
               </a:ext>
             </a:extLst>
           </p:cNvPr>
@@ -1280,7 +1285,7 @@
           <p:cNvPr id="9" name="Straight Connector 8">
             <a:extLst>
               <a:ext uri="{FF2B5EF4-FFF2-40B4-BE49-F238E27FC236}">
-                <a16:creationId xmlns:a16="http://schemas.microsoft.com/office/drawing/2014/main" id="{459DE2C1-4C52-40A3-8959-27B2C1BEBFF6}"/>
+                <a16:creationId xmlns:a16="http://schemas.microsoft.com/office/drawing/2014/main" xmlns="" id="{459DE2C1-4C52-40A3-8959-27B2C1BEBFF6}"/>
               </a:ext>
             </a:extLst>
           </p:cNvPr>
@@ -1324,7 +1329,7 @@
           <p:cNvPr id="7" name="Date Placeholder 6">
             <a:extLst>
               <a:ext uri="{FF2B5EF4-FFF2-40B4-BE49-F238E27FC236}">
-                <a16:creationId xmlns:a16="http://schemas.microsoft.com/office/drawing/2014/main" id="{AAF2E137-EC28-48F8-9198-1F02539029B6}"/>
+                <a16:creationId xmlns:a16="http://schemas.microsoft.com/office/drawing/2014/main" xmlns="" id="{AAF2E137-EC28-48F8-9198-1F02539029B6}"/>
               </a:ext>
             </a:extLst>
           </p:cNvPr>
@@ -1342,7 +1347,7 @@
           <a:p>
             <a:fld id="{97669AF7-7BEB-44E4-9852-375E34362B5B}" type="datetime1">
               <a:rPr lang="en-US" smtClean="0"/>
-              <a:t>11/19/2019</a:t>
+              <a:t>11/22/2019</a:t>
             </a:fld>
             <a:endParaRPr lang="en-US" dirty="0"/>
           </a:p>
@@ -1353,7 +1358,7 @@
           <p:cNvPr id="8" name="Footer Placeholder 7">
             <a:extLst>
               <a:ext uri="{FF2B5EF4-FFF2-40B4-BE49-F238E27FC236}">
-                <a16:creationId xmlns:a16="http://schemas.microsoft.com/office/drawing/2014/main" id="{189422CD-6F62-4DD6-89EF-07A60B42D219}"/>
+                <a16:creationId xmlns:a16="http://schemas.microsoft.com/office/drawing/2014/main" xmlns="" id="{189422CD-6F62-4DD6-89EF-07A60B42D219}"/>
               </a:ext>
             </a:extLst>
           </p:cNvPr>
@@ -1378,7 +1383,7 @@
           <p:cNvPr id="11" name="Slide Number Placeholder 10">
             <a:extLst>
               <a:ext uri="{FF2B5EF4-FFF2-40B4-BE49-F238E27FC236}">
-                <a16:creationId xmlns:a16="http://schemas.microsoft.com/office/drawing/2014/main" id="{69C6AFF8-42B4-4D05-969B-9F5FB3355555}"/>
+                <a16:creationId xmlns:a16="http://schemas.microsoft.com/office/drawing/2014/main" xmlns="" id="{69C6AFF8-42B4-4D05-969B-9F5FB3355555}"/>
               </a:ext>
             </a:extLst>
           </p:cNvPr>
@@ -1579,7 +1584,7 @@
           <p:cNvPr id="2" name="Date Placeholder 1">
             <a:extLst>
               <a:ext uri="{FF2B5EF4-FFF2-40B4-BE49-F238E27FC236}">
-                <a16:creationId xmlns:a16="http://schemas.microsoft.com/office/drawing/2014/main" id="{5782D47D-B0DC-4C40-BCC6-BBBA32584A38}"/>
+                <a16:creationId xmlns:a16="http://schemas.microsoft.com/office/drawing/2014/main" xmlns="" id="{5782D47D-B0DC-4C40-BCC6-BBBA32584A38}"/>
               </a:ext>
             </a:extLst>
           </p:cNvPr>
@@ -1597,7 +1602,7 @@
           <a:p>
             <a:fld id="{BAAAC38D-0552-4C82-B593-E6124DFADBE2}" type="datetime1">
               <a:rPr lang="en-US" smtClean="0"/>
-              <a:t>11/19/2019</a:t>
+              <a:t>11/22/2019</a:t>
             </a:fld>
             <a:endParaRPr lang="en-US" dirty="0"/>
           </a:p>
@@ -1608,7 +1613,7 @@
           <p:cNvPr id="9" name="Footer Placeholder 8">
             <a:extLst>
               <a:ext uri="{FF2B5EF4-FFF2-40B4-BE49-F238E27FC236}">
-                <a16:creationId xmlns:a16="http://schemas.microsoft.com/office/drawing/2014/main" id="{4690D34E-7EBD-44B2-83CA-4C126A18D7EF}"/>
+                <a16:creationId xmlns:a16="http://schemas.microsoft.com/office/drawing/2014/main" xmlns="" id="{4690D34E-7EBD-44B2-83CA-4C126A18D7EF}"/>
               </a:ext>
             </a:extLst>
           </p:cNvPr>
@@ -1633,7 +1638,7 @@
           <p:cNvPr id="10" name="Slide Number Placeholder 9">
             <a:extLst>
               <a:ext uri="{FF2B5EF4-FFF2-40B4-BE49-F238E27FC236}">
-                <a16:creationId xmlns:a16="http://schemas.microsoft.com/office/drawing/2014/main" id="{2AC511A1-9BBD-42DE-92FB-2AF44F8E97A9}"/>
+                <a16:creationId xmlns:a16="http://schemas.microsoft.com/office/drawing/2014/main" xmlns="" id="{2AC511A1-9BBD-42DE-92FB-2AF44F8E97A9}"/>
               </a:ext>
             </a:extLst>
           </p:cNvPr>
@@ -1976,7 +1981,7 @@
           <p:cNvPr id="2" name="Date Placeholder 1">
             <a:extLst>
               <a:ext uri="{FF2B5EF4-FFF2-40B4-BE49-F238E27FC236}">
-                <a16:creationId xmlns:a16="http://schemas.microsoft.com/office/drawing/2014/main" id="{8AF8A515-AA94-45D1-9223-5C2272618D85}"/>
+                <a16:creationId xmlns:a16="http://schemas.microsoft.com/office/drawing/2014/main" xmlns="" id="{8AF8A515-AA94-45D1-9223-5C2272618D85}"/>
               </a:ext>
             </a:extLst>
           </p:cNvPr>
@@ -1994,7 +1999,7 @@
           <a:p>
             <a:fld id="{D9DF0F1C-5577-4ACB-BB62-DF8F3C494C7E}" type="datetime1">
               <a:rPr lang="en-US" smtClean="0"/>
-              <a:t>11/19/2019</a:t>
+              <a:t>11/22/2019</a:t>
             </a:fld>
             <a:endParaRPr lang="en-US" dirty="0"/>
           </a:p>
@@ -2005,7 +2010,7 @@
           <p:cNvPr id="11" name="Footer Placeholder 10">
             <a:extLst>
               <a:ext uri="{FF2B5EF4-FFF2-40B4-BE49-F238E27FC236}">
-                <a16:creationId xmlns:a16="http://schemas.microsoft.com/office/drawing/2014/main" id="{D052F5BC-98E0-4D60-AD67-9547738B7DD4}"/>
+                <a16:creationId xmlns:a16="http://schemas.microsoft.com/office/drawing/2014/main" xmlns="" id="{D052F5BC-98E0-4D60-AD67-9547738B7DD4}"/>
               </a:ext>
             </a:extLst>
           </p:cNvPr>
@@ -2030,7 +2035,7 @@
           <p:cNvPr id="12" name="Slide Number Placeholder 11">
             <a:extLst>
               <a:ext uri="{FF2B5EF4-FFF2-40B4-BE49-F238E27FC236}">
-                <a16:creationId xmlns:a16="http://schemas.microsoft.com/office/drawing/2014/main" id="{A38552DC-952E-41EA-AAAF-C2187523C0B0}"/>
+                <a16:creationId xmlns:a16="http://schemas.microsoft.com/office/drawing/2014/main" xmlns="" id="{A38552DC-952E-41EA-AAAF-C2187523C0B0}"/>
               </a:ext>
             </a:extLst>
           </p:cNvPr>
@@ -2112,7 +2117,7 @@
           <p:cNvPr id="6" name="Date Placeholder 5">
             <a:extLst>
               <a:ext uri="{FF2B5EF4-FFF2-40B4-BE49-F238E27FC236}">
-                <a16:creationId xmlns:a16="http://schemas.microsoft.com/office/drawing/2014/main" id="{7392073F-158F-44A3-8913-917AFFC1BC20}"/>
+                <a16:creationId xmlns:a16="http://schemas.microsoft.com/office/drawing/2014/main" xmlns="" id="{7392073F-158F-44A3-8913-917AFFC1BC20}"/>
               </a:ext>
             </a:extLst>
           </p:cNvPr>
@@ -2130,7 +2135,7 @@
           <a:p>
             <a:fld id="{1775B394-D9F9-4F0C-B15D-605F45CB9E9F}" type="datetime1">
               <a:rPr lang="en-US" smtClean="0"/>
-              <a:t>11/19/2019</a:t>
+              <a:t>11/22/2019</a:t>
             </a:fld>
             <a:endParaRPr lang="en-US" dirty="0"/>
           </a:p>
@@ -2141,7 +2146,7 @@
           <p:cNvPr id="7" name="Footer Placeholder 6">
             <a:extLst>
               <a:ext uri="{FF2B5EF4-FFF2-40B4-BE49-F238E27FC236}">
-                <a16:creationId xmlns:a16="http://schemas.microsoft.com/office/drawing/2014/main" id="{EED72207-24CA-42B7-A975-2F8E41CBA904}"/>
+                <a16:creationId xmlns:a16="http://schemas.microsoft.com/office/drawing/2014/main" xmlns="" id="{EED72207-24CA-42B7-A975-2F8E41CBA904}"/>
               </a:ext>
             </a:extLst>
           </p:cNvPr>
@@ -2166,7 +2171,7 @@
           <p:cNvPr id="8" name="Slide Number Placeholder 7">
             <a:extLst>
               <a:ext uri="{FF2B5EF4-FFF2-40B4-BE49-F238E27FC236}">
-                <a16:creationId xmlns:a16="http://schemas.microsoft.com/office/drawing/2014/main" id="{D01080F2-251A-4B88-9A62-16F46D724F83}"/>
+                <a16:creationId xmlns:a16="http://schemas.microsoft.com/office/drawing/2014/main" xmlns="" id="{D01080F2-251A-4B88-9A62-16F46D724F83}"/>
               </a:ext>
             </a:extLst>
           </p:cNvPr>
@@ -2225,7 +2230,7 @@
           <p:cNvPr id="10" name="Rectangle 9">
             <a:extLst>
               <a:ext uri="{FF2B5EF4-FFF2-40B4-BE49-F238E27FC236}">
-                <a16:creationId xmlns:a16="http://schemas.microsoft.com/office/drawing/2014/main" id="{A8E9C91B-7EAD-4562-AB0E-DFB9663AECE3}"/>
+                <a16:creationId xmlns:a16="http://schemas.microsoft.com/office/drawing/2014/main" xmlns="" id="{A8E9C91B-7EAD-4562-AB0E-DFB9663AECE3}"/>
               </a:ext>
             </a:extLst>
           </p:cNvPr>
@@ -2269,7 +2274,7 @@
           <p:cNvPr id="2" name="Date Placeholder 1">
             <a:extLst>
               <a:ext uri="{FF2B5EF4-FFF2-40B4-BE49-F238E27FC236}">
-                <a16:creationId xmlns:a16="http://schemas.microsoft.com/office/drawing/2014/main" id="{94E9223F-721F-47BF-9FD5-0F8D12FF0DE1}"/>
+                <a16:creationId xmlns:a16="http://schemas.microsoft.com/office/drawing/2014/main" xmlns="" id="{94E9223F-721F-47BF-9FD5-0F8D12FF0DE1}"/>
               </a:ext>
             </a:extLst>
           </p:cNvPr>
@@ -2287,7 +2292,7 @@
           <a:p>
             <a:fld id="{39667345-2558-425A-8533-9BFDBCE15005}" type="datetime1">
               <a:rPr lang="en-US" smtClean="0"/>
-              <a:t>11/19/2019</a:t>
+              <a:t>11/22/2019</a:t>
             </a:fld>
             <a:endParaRPr lang="en-US" dirty="0"/>
           </a:p>
@@ -2298,7 +2303,7 @@
           <p:cNvPr id="3" name="Footer Placeholder 2">
             <a:extLst>
               <a:ext uri="{FF2B5EF4-FFF2-40B4-BE49-F238E27FC236}">
-                <a16:creationId xmlns:a16="http://schemas.microsoft.com/office/drawing/2014/main" id="{05915714-6BBA-4593-8591-4E26F7D58D9F}"/>
+                <a16:creationId xmlns:a16="http://schemas.microsoft.com/office/drawing/2014/main" xmlns="" id="{05915714-6BBA-4593-8591-4E26F7D58D9F}"/>
               </a:ext>
             </a:extLst>
           </p:cNvPr>
@@ -2323,7 +2328,7 @@
           <p:cNvPr id="4" name="Slide Number Placeholder 3">
             <a:extLst>
               <a:ext uri="{FF2B5EF4-FFF2-40B4-BE49-F238E27FC236}">
-                <a16:creationId xmlns:a16="http://schemas.microsoft.com/office/drawing/2014/main" id="{BE06F857-D2E1-44DD-ABDD-EBB739645B67}"/>
+                <a16:creationId xmlns:a16="http://schemas.microsoft.com/office/drawing/2014/main" xmlns="" id="{BE06F857-D2E1-44DD-ABDD-EBB739645B67}"/>
               </a:ext>
             </a:extLst>
           </p:cNvPr>
@@ -2382,7 +2387,7 @@
           <p:cNvPr id="8" name="Rectangle 7">
             <a:extLst>
               <a:ext uri="{FF2B5EF4-FFF2-40B4-BE49-F238E27FC236}">
-                <a16:creationId xmlns:a16="http://schemas.microsoft.com/office/drawing/2014/main" id="{16D90D66-BCB9-4229-A829-628874352AC0}"/>
+                <a16:creationId xmlns:a16="http://schemas.microsoft.com/office/drawing/2014/main" xmlns="" id="{16D90D66-BCB9-4229-A829-628874352AC0}"/>
               </a:ext>
             </a:extLst>
           </p:cNvPr>
@@ -2616,7 +2621,7 @@
           <a:p>
             <a:fld id="{92BEA474-078D-4E9B-9B14-09A87B19DC46}" type="datetime1">
               <a:rPr lang="en-US" smtClean="0"/>
-              <a:t>11/19/2019</a:t>
+              <a:t>11/22/2019</a:t>
             </a:fld>
             <a:endParaRPr lang="en-US" dirty="0"/>
           </a:p>
@@ -2721,7 +2726,7 @@
           <p:cNvPr id="8" name="Rectangle 7">
             <a:extLst>
               <a:ext uri="{FF2B5EF4-FFF2-40B4-BE49-F238E27FC236}">
-                <a16:creationId xmlns:a16="http://schemas.microsoft.com/office/drawing/2014/main" id="{DA134939-39C0-4522-A125-A13DFDA66490}"/>
+                <a16:creationId xmlns:a16="http://schemas.microsoft.com/office/drawing/2014/main" xmlns="" id="{DA134939-39C0-4522-A125-A13DFDA66490}"/>
               </a:ext>
             </a:extLst>
           </p:cNvPr>
@@ -2966,7 +2971,7 @@
           <a:p>
             <a:fld id="{4907D986-8816-4272-A432-0437A28A9828}" type="datetime1">
               <a:rPr lang="en-US" smtClean="0"/>
-              <a:t>11/19/2019</a:t>
+              <a:t>11/22/2019</a:t>
             </a:fld>
             <a:endParaRPr lang="en-US" dirty="0"/>
           </a:p>
@@ -3060,7 +3065,7 @@
           <p:cNvPr id="7" name="Rectangle 6">
             <a:extLst>
               <a:ext uri="{FF2B5EF4-FFF2-40B4-BE49-F238E27FC236}">
-                <a16:creationId xmlns:a16="http://schemas.microsoft.com/office/drawing/2014/main" id="{416A0E3C-60E6-4F39-BC55-5F7C224E1F7C}"/>
+                <a16:creationId xmlns:a16="http://schemas.microsoft.com/office/drawing/2014/main" xmlns="" id="{416A0E3C-60E6-4F39-BC55-5F7C224E1F7C}"/>
               </a:ext>
             </a:extLst>
           </p:cNvPr>
@@ -3227,7 +3232,7 @@
           <a:p>
             <a:fld id="{62D6E202-B606-4609-B914-27C9371A1F6D}" type="datetime1">
               <a:rPr lang="en-US" smtClean="0"/>
-              <a:t>11/19/2019</a:t>
+              <a:t>11/22/2019</a:t>
             </a:fld>
             <a:endParaRPr lang="en-US" dirty="0"/>
           </a:p>
@@ -3312,7 +3317,7 @@
           <p:cNvPr id="10" name="Straight Connector 9">
             <a:extLst>
               <a:ext uri="{FF2B5EF4-FFF2-40B4-BE49-F238E27FC236}">
-                <a16:creationId xmlns:a16="http://schemas.microsoft.com/office/drawing/2014/main" id="{C5025DAC-8B93-4160-B017-3A274A5828C0}"/>
+                <a16:creationId xmlns:a16="http://schemas.microsoft.com/office/drawing/2014/main" xmlns="" id="{C5025DAC-8B93-4160-B017-3A274A5828C0}"/>
               </a:ext>
             </a:extLst>
           </p:cNvPr>
@@ -3763,7 +3768,7 @@
           <p:cNvPr id="5" name="Picture 3">
             <a:extLst>
               <a:ext uri="{FF2B5EF4-FFF2-40B4-BE49-F238E27FC236}">
-                <a16:creationId xmlns:a16="http://schemas.microsoft.com/office/drawing/2014/main" id="{40E7DE2F-91DA-4E74-863D-74ED400022FB}"/>
+                <a16:creationId xmlns:a16="http://schemas.microsoft.com/office/drawing/2014/main" xmlns="" id="{40E7DE2F-91DA-4E74-863D-74ED400022FB}"/>
               </a:ext>
             </a:extLst>
           </p:cNvPr>
@@ -3792,10 +3797,10 @@
           <p:cNvPr id="14" name="Rectangle 13">
             <a:extLst>
               <a:ext uri="{FF2B5EF4-FFF2-40B4-BE49-F238E27FC236}">
-                <a16:creationId xmlns:a16="http://schemas.microsoft.com/office/drawing/2014/main" id="{0B4FB531-34DA-4777-9BD5-5B885DC38198}"/>
+                <a16:creationId xmlns:a16="http://schemas.microsoft.com/office/drawing/2014/main" xmlns="" id="{0B4FB531-34DA-4777-9BD5-5B885DC38198}"/>
               </a:ext>
               <a:ext uri="{C183D7F6-B498-43B3-948B-1728B52AA6E4}">
-                <adec:decorative xmlns:adec="http://schemas.microsoft.com/office/drawing/2017/decorative" val="1"/>
+                <adec:decorative xmlns:adec="http://schemas.microsoft.com/office/drawing/2017/decorative" xmlns="" val="1"/>
               </a:ext>
             </a:extLst>
           </p:cNvPr>
@@ -3805,7 +3810,7 @@
           <p:nvPr>
             <p:extLst>
               <p:ext uri="{386F3935-93C4-4BCD-93E2-E3B085C9AB24}">
-                <p16:designElem xmlns:p16="http://schemas.microsoft.com/office/powerpoint/2015/main" val="1"/>
+                <p16:designElem xmlns:p16="http://schemas.microsoft.com/office/powerpoint/2015/main" xmlns="" val="1"/>
               </p:ext>
             </p:extLst>
           </p:nvPr>
@@ -3847,7 +3852,7 @@
           <p:cNvPr id="2" name="Title 1">
             <a:extLst>
               <a:ext uri="{FF2B5EF4-FFF2-40B4-BE49-F238E27FC236}">
-                <a16:creationId xmlns:a16="http://schemas.microsoft.com/office/drawing/2014/main" id="{9E6FBC40-0DD8-40AA-AE7E-0738037CEB3E}"/>
+                <a16:creationId xmlns:a16="http://schemas.microsoft.com/office/drawing/2014/main" xmlns="" id="{9E6FBC40-0DD8-40AA-AE7E-0738037CEB3E}"/>
               </a:ext>
             </a:extLst>
           </p:cNvPr>
@@ -3887,7 +3892,7 @@
           <p:cNvPr id="3" name="Subtitle 2">
             <a:extLst>
               <a:ext uri="{FF2B5EF4-FFF2-40B4-BE49-F238E27FC236}">
-                <a16:creationId xmlns:a16="http://schemas.microsoft.com/office/drawing/2014/main" id="{7344908C-46C6-4879-A07F-9E083921461A}"/>
+                <a16:creationId xmlns:a16="http://schemas.microsoft.com/office/drawing/2014/main" xmlns="" id="{7344908C-46C6-4879-A07F-9E083921461A}"/>
               </a:ext>
             </a:extLst>
           </p:cNvPr>
@@ -3931,13 +3936,54 @@
               </a:lnSpc>
             </a:pPr>
             <a:r>
+              <a:rPr lang="en-US" sz="1400" dirty="0" err="1">
+                <a:solidFill>
+                  <a:srgbClr val="FFFFFF"/>
+                </a:solidFill>
+              </a:rPr>
+              <a:t>Carnoshia</a:t>
+            </a:r>
+            <a:r>
               <a:rPr lang="en-US" sz="1400" dirty="0">
                 <a:solidFill>
                   <a:srgbClr val="FFFFFF"/>
                 </a:solidFill>
               </a:rPr>
-              <a:t>Carnoshia Wechsberg</a:t>
-            </a:r>
+              <a:t> </a:t>
+            </a:r>
+            <a:r>
+              <a:rPr lang="en-US" sz="1400" dirty="0" err="1" smtClean="0">
+                <a:solidFill>
+                  <a:srgbClr val="FFFFFF"/>
+                </a:solidFill>
+              </a:rPr>
+              <a:t>Wechsberg</a:t>
+            </a:r>
+            <a:endParaRPr lang="en-US" sz="1400" dirty="0" smtClean="0">
+              <a:solidFill>
+                <a:srgbClr val="FFFFFF"/>
+              </a:solidFill>
+            </a:endParaRPr>
+          </a:p>
+          <a:p>
+            <a:pPr algn="r">
+              <a:lnSpc>
+                <a:spcPct val="100000"/>
+              </a:lnSpc>
+            </a:pPr>
+            <a:r>
+              <a:rPr lang="en-US" sz="1400" smtClean="0">
+                <a:solidFill>
+                  <a:srgbClr val="FFFFFF"/>
+                </a:solidFill>
+              </a:rPr>
+              <a:t>Chantawies Neang-Mackie</a:t>
+            </a:r>
+            <a:endParaRPr lang="en-US" sz="1400" dirty="0">
+              <a:solidFill>
+                <a:srgbClr val="FFFFFF"/>
+              </a:solidFill>
+            </a:endParaRPr>
           </a:p>
         </p:txBody>
       </p:sp>
@@ -3946,10 +3992,10 @@
           <p:cNvPr id="16" name="Straight Connector 15">
             <a:extLst>
               <a:ext uri="{FF2B5EF4-FFF2-40B4-BE49-F238E27FC236}">
-                <a16:creationId xmlns:a16="http://schemas.microsoft.com/office/drawing/2014/main" id="{D5B557D3-D7B4-404B-84A1-9BD182BE5B06}"/>
+                <a16:creationId xmlns:a16="http://schemas.microsoft.com/office/drawing/2014/main" xmlns="" id="{D5B557D3-D7B4-404B-84A1-9BD182BE5B06}"/>
               </a:ext>
               <a:ext uri="{C183D7F6-B498-43B3-948B-1728B52AA6E4}">
-                <adec:decorative xmlns:adec="http://schemas.microsoft.com/office/drawing/2017/decorative" val="1"/>
+                <adec:decorative xmlns:adec="http://schemas.microsoft.com/office/drawing/2017/decorative" xmlns="" val="1"/>
               </a:ext>
             </a:extLst>
           </p:cNvPr>
@@ -3959,7 +4005,7 @@
           <p:nvPr>
             <p:extLst>
               <p:ext uri="{386F3935-93C4-4BCD-93E2-E3B085C9AB24}">
-                <p16:designElem xmlns:p16="http://schemas.microsoft.com/office/powerpoint/2015/main" val="1"/>
+                <p16:designElem xmlns:p16="http://schemas.microsoft.com/office/powerpoint/2015/main" xmlns="" val="1"/>
               </p:ext>
             </p:extLst>
           </p:nvPr>
